--- a/Rapport/SchémaFonctionnelPartie.pptx
+++ b/Rapport/SchémaFonctionnelPartie.pptx
@@ -104,6 +104,11 @@
       </a:defRPr>
     </a:lvl9pPr>
   </p:defaultTextStyle>
+  <p:extLst>
+    <p:ext uri="{EFAFB233-063F-42B5-8137-9DF3F51BA10A}">
+      <p15:sldGuideLst xmlns:p15="http://schemas.microsoft.com/office/powerpoint/2012/main"/>
+    </p:ext>
+  </p:extLst>
 </p:presentation>
 </file>
 
@@ -3338,6 +3343,92 @@
           </a:ln>
         </p:spPr>
       </p:pic>
+      <p:sp>
+        <p:nvSpPr>
+          <p:cNvPr id="2" name="Rectangle 1"/>
+          <p:cNvSpPr/>
+          <p:nvPr/>
+        </p:nvSpPr>
+        <p:spPr>
+          <a:xfrm>
+            <a:off x="11290478" y="214040"/>
+            <a:ext cx="6096000" cy="1308050"/>
+          </a:xfrm>
+          <a:prstGeom prst="rect">
+            <a:avLst/>
+          </a:prstGeom>
+        </p:spPr>
+        <p:txBody>
+          <a:bodyPr>
+            <a:spAutoFit/>
+          </a:bodyPr>
+          <a:lstStyle/>
+          <a:p>
+            <a:pPr>
+              <a:spcBef>
+                <a:spcPts val="1800"/>
+              </a:spcBef>
+              <a:spcAft>
+                <a:spcPts val="600"/>
+              </a:spcAft>
+            </a:pPr>
+            <a:r>
+              <a:rPr lang="fr-FR" dirty="0">
+                <a:solidFill>
+                  <a:srgbClr val="FF0000"/>
+                </a:solidFill>
+                <a:latin typeface="Arial" panose="020B0604020202020204" pitchFamily="34" charset="0"/>
+              </a:rPr>
+              <a:t>Architecture “fonctionnelle” d'une partie</a:t>
+            </a:r>
+            <a:endParaRPr lang="fr-FR" b="1" dirty="0">
+              <a:solidFill>
+                <a:srgbClr val="FF0000"/>
+              </a:solidFill>
+            </a:endParaRPr>
+          </a:p>
+          <a:p>
+            <a:pPr>
+              <a:spcBef>
+                <a:spcPts val="1800"/>
+              </a:spcBef>
+              <a:spcAft>
+                <a:spcPts val="600"/>
+              </a:spcAft>
+            </a:pPr>
+            <a:r>
+              <a:rPr lang="fr-FR" dirty="0">
+                <a:solidFill>
+                  <a:srgbClr val="FF0000"/>
+                </a:solidFill>
+                <a:latin typeface="Arial" panose="020B0604020202020204" pitchFamily="34" charset="0"/>
+              </a:rPr>
+              <a:t>multijoueur (fonctionnalités et langages</a:t>
+            </a:r>
+            <a:endParaRPr lang="fr-FR" b="1" dirty="0">
+              <a:solidFill>
+                <a:srgbClr val="FF0000"/>
+              </a:solidFill>
+            </a:endParaRPr>
+          </a:p>
+          <a:p>
+            <a:r>
+              <a:rPr lang="fr-FR" dirty="0">
+                <a:solidFill>
+                  <a:srgbClr val="FF0000"/>
+                </a:solidFill>
+                <a:latin typeface="Arial" panose="020B0604020202020204" pitchFamily="34" charset="0"/>
+              </a:rPr>
+              <a:t>associés). Joli schéma</a:t>
+            </a:r>
+            <a:endParaRPr lang="en-IE" dirty="0">
+              <a:solidFill>
+                <a:srgbClr val="FF0000"/>
+              </a:solidFill>
+            </a:endParaRPr>
+          </a:p>
+        </p:txBody>
+      </p:sp>
     </p:spTree>
     <p:extLst>
       <p:ext uri="{BB962C8B-B14F-4D97-AF65-F5344CB8AC3E}">

--- a/Rapport/SchémaFonctionnelPartie.pptx
+++ b/Rapport/SchémaFonctionnelPartie.pptx
@@ -243,7 +243,7 @@
           <a:p>
             <a:fld id="{4E9D96FD-0270-481E-A9F3-983C41943213}" type="datetimeFigureOut">
               <a:rPr lang="en-IE" smtClean="0"/>
-              <a:t>03/04/2017</a:t>
+              <a:t>10/04/2017</a:t>
             </a:fld>
             <a:endParaRPr lang="en-IE"/>
           </a:p>
@@ -413,7 +413,7 @@
           <a:p>
             <a:fld id="{4E9D96FD-0270-481E-A9F3-983C41943213}" type="datetimeFigureOut">
               <a:rPr lang="en-IE" smtClean="0"/>
-              <a:t>03/04/2017</a:t>
+              <a:t>10/04/2017</a:t>
             </a:fld>
             <a:endParaRPr lang="en-IE"/>
           </a:p>
@@ -593,7 +593,7 @@
           <a:p>
             <a:fld id="{4E9D96FD-0270-481E-A9F3-983C41943213}" type="datetimeFigureOut">
               <a:rPr lang="en-IE" smtClean="0"/>
-              <a:t>03/04/2017</a:t>
+              <a:t>10/04/2017</a:t>
             </a:fld>
             <a:endParaRPr lang="en-IE"/>
           </a:p>
@@ -763,7 +763,7 @@
           <a:p>
             <a:fld id="{4E9D96FD-0270-481E-A9F3-983C41943213}" type="datetimeFigureOut">
               <a:rPr lang="en-IE" smtClean="0"/>
-              <a:t>03/04/2017</a:t>
+              <a:t>10/04/2017</a:t>
             </a:fld>
             <a:endParaRPr lang="en-IE"/>
           </a:p>
@@ -1009,7 +1009,7 @@
           <a:p>
             <a:fld id="{4E9D96FD-0270-481E-A9F3-983C41943213}" type="datetimeFigureOut">
               <a:rPr lang="en-IE" smtClean="0"/>
-              <a:t>03/04/2017</a:t>
+              <a:t>10/04/2017</a:t>
             </a:fld>
             <a:endParaRPr lang="en-IE"/>
           </a:p>
@@ -1241,7 +1241,7 @@
           <a:p>
             <a:fld id="{4E9D96FD-0270-481E-A9F3-983C41943213}" type="datetimeFigureOut">
               <a:rPr lang="en-IE" smtClean="0"/>
-              <a:t>03/04/2017</a:t>
+              <a:t>10/04/2017</a:t>
             </a:fld>
             <a:endParaRPr lang="en-IE"/>
           </a:p>
@@ -1608,7 +1608,7 @@
           <a:p>
             <a:fld id="{4E9D96FD-0270-481E-A9F3-983C41943213}" type="datetimeFigureOut">
               <a:rPr lang="en-IE" smtClean="0"/>
-              <a:t>03/04/2017</a:t>
+              <a:t>10/04/2017</a:t>
             </a:fld>
             <a:endParaRPr lang="en-IE"/>
           </a:p>
@@ -1726,7 +1726,7 @@
           <a:p>
             <a:fld id="{4E9D96FD-0270-481E-A9F3-983C41943213}" type="datetimeFigureOut">
               <a:rPr lang="en-IE" smtClean="0"/>
-              <a:t>03/04/2017</a:t>
+              <a:t>10/04/2017</a:t>
             </a:fld>
             <a:endParaRPr lang="en-IE"/>
           </a:p>
@@ -1821,7 +1821,7 @@
           <a:p>
             <a:fld id="{4E9D96FD-0270-481E-A9F3-983C41943213}" type="datetimeFigureOut">
               <a:rPr lang="en-IE" smtClean="0"/>
-              <a:t>03/04/2017</a:t>
+              <a:t>10/04/2017</a:t>
             </a:fld>
             <a:endParaRPr lang="en-IE"/>
           </a:p>
@@ -2098,7 +2098,7 @@
           <a:p>
             <a:fld id="{4E9D96FD-0270-481E-A9F3-983C41943213}" type="datetimeFigureOut">
               <a:rPr lang="en-IE" smtClean="0"/>
-              <a:t>03/04/2017</a:t>
+              <a:t>10/04/2017</a:t>
             </a:fld>
             <a:endParaRPr lang="en-IE"/>
           </a:p>
@@ -2351,7 +2351,7 @@
           <a:p>
             <a:fld id="{4E9D96FD-0270-481E-A9F3-983C41943213}" type="datetimeFigureOut">
               <a:rPr lang="en-IE" smtClean="0"/>
-              <a:t>03/04/2017</a:t>
+              <a:t>10/04/2017</a:t>
             </a:fld>
             <a:endParaRPr lang="en-IE"/>
           </a:p>
@@ -2564,7 +2564,7 @@
           <a:p>
             <a:fld id="{4E9D96FD-0270-481E-A9F3-983C41943213}" type="datetimeFigureOut">
               <a:rPr lang="en-IE" smtClean="0"/>
-              <a:t>03/04/2017</a:t>
+              <a:t>10/04/2017</a:t>
             </a:fld>
             <a:endParaRPr lang="en-IE"/>
           </a:p>
@@ -3021,7 +3021,7 @@
         </p:blipFill>
         <p:spPr>
           <a:xfrm>
-            <a:off x="305245" y="1193115"/>
+            <a:off x="3619945" y="1726515"/>
             <a:ext cx="5180710" cy="3848100"/>
           </a:xfrm>
           <a:prstGeom prst="rect">
@@ -3036,14 +3036,14 @@
       </p:pic>
       <p:sp>
         <p:nvSpPr>
-          <p:cNvPr id="7" name="ZoneTexte 6"/>
+          <p:cNvPr id="8" name="ZoneTexte 7"/>
           <p:cNvSpPr txBox="1"/>
           <p:nvPr/>
         </p:nvSpPr>
         <p:spPr>
           <a:xfrm>
-            <a:off x="0" y="0"/>
-            <a:ext cx="1485899" cy="923330"/>
+            <a:off x="4686300" y="5714999"/>
+            <a:ext cx="3225800" cy="369332"/>
           </a:xfrm>
           <a:prstGeom prst="rect">
             <a:avLst/>
@@ -3057,47 +3057,22 @@
           <a:lstStyle/>
           <a:p>
             <a:r>
-              <a:rPr lang="fr-FR" dirty="0" smtClean="0">
-                <a:solidFill>
-                  <a:srgbClr val="FF0000"/>
-                </a:solidFill>
-              </a:rPr>
-              <a:t>CAPTURE D’</a:t>
-            </a:r>
-            <a:r>
-              <a:rPr lang="fr-FR" dirty="0" err="1" smtClean="0">
-                <a:solidFill>
-                  <a:srgbClr val="FF0000"/>
-                </a:solidFill>
-              </a:rPr>
-              <a:t>ecran</a:t>
-            </a:r>
-            <a:r>
-              <a:rPr lang="fr-FR" dirty="0" smtClean="0">
-                <a:solidFill>
-                  <a:srgbClr val="FF0000"/>
-                </a:solidFill>
-              </a:rPr>
-              <a:t> à changer !</a:t>
-            </a:r>
-            <a:endParaRPr lang="en-IE" dirty="0">
-              <a:solidFill>
-                <a:srgbClr val="FF0000"/>
-              </a:solidFill>
-            </a:endParaRPr>
-          </a:p>
-        </p:txBody>
-      </p:sp>
-      <p:sp>
-        <p:nvSpPr>
-          <p:cNvPr id="8" name="ZoneTexte 7"/>
+              <a:rPr lang="fr-FR" dirty="0" smtClean="0"/>
+              <a:t>Algorithme du jeu = JavaScript</a:t>
+            </a:r>
+          </a:p>
+        </p:txBody>
+      </p:sp>
+      <p:sp>
+        <p:nvSpPr>
+          <p:cNvPr id="9" name="ZoneTexte 8"/>
           <p:cNvSpPr txBox="1"/>
           <p:nvPr/>
         </p:nvSpPr>
         <p:spPr>
           <a:xfrm>
-            <a:off x="1371600" y="5181599"/>
-            <a:ext cx="3225800" cy="369332"/>
+            <a:off x="8902700" y="3308191"/>
+            <a:ext cx="2311400" cy="646331"/>
           </a:xfrm>
           <a:prstGeom prst="rect">
             <a:avLst/>
@@ -3110,39 +3085,18 @@
           </a:bodyPr>
           <a:lstStyle/>
           <a:p>
+            <a:pPr algn="ctr"/>
             <a:r>
               <a:rPr lang="fr-FR" dirty="0" smtClean="0"/>
-              <a:t>Algorithme du jeu = JavaScript</a:t>
-            </a:r>
-          </a:p>
-        </p:txBody>
-      </p:sp>
-      <p:sp>
-        <p:nvSpPr>
-          <p:cNvPr id="9" name="ZoneTexte 8"/>
-          <p:cNvSpPr txBox="1"/>
-          <p:nvPr/>
-        </p:nvSpPr>
-        <p:spPr>
-          <a:xfrm>
-            <a:off x="6362700" y="3945235"/>
-            <a:ext cx="2311400" cy="923330"/>
-          </a:xfrm>
-          <a:prstGeom prst="rect">
-            <a:avLst/>
-          </a:prstGeom>
-          <a:noFill/>
-        </p:spPr>
-        <p:txBody>
-          <a:bodyPr wrap="square" rtlCol="0">
-            <a:spAutoFit/>
-          </a:bodyPr>
-          <a:lstStyle/>
-          <a:p>
-            <a:pPr algn="ctr"/>
+              <a:t>Exécution de </a:t>
+            </a:r>
             <a:r>
               <a:rPr lang="fr-FR" dirty="0" smtClean="0"/>
-              <a:t>Exécution de deux procédures JavaScript contenant du Ajax</a:t>
+              <a:t>deux fonctions en </a:t>
+            </a:r>
+            <a:r>
+              <a:rPr lang="fr-FR" dirty="0" err="1" smtClean="0"/>
+              <a:t>ajax</a:t>
             </a:r>
             <a:endParaRPr lang="en-IE" dirty="0"/>
           </a:p>
@@ -3156,7 +3110,7 @@
         </p:nvSpPr>
         <p:spPr>
           <a:xfrm>
-            <a:off x="3086100" y="4254500"/>
+            <a:off x="6400800" y="4787900"/>
             <a:ext cx="1092200" cy="304800"/>
           </a:xfrm>
           <a:prstGeom prst="ellipse">
@@ -3202,7 +3156,7 @@
         </p:nvSpPr>
         <p:spPr>
           <a:xfrm>
-            <a:off x="3695701" y="3981966"/>
+            <a:off x="7010401" y="4515366"/>
             <a:ext cx="724344" cy="307777"/>
           </a:xfrm>
           <a:prstGeom prst="rect">
@@ -3236,14 +3190,14 @@
         <p:nvCxnSpPr>
           <p:cNvPr id="15" name="Connecteur droit avec flèche 14"/>
           <p:cNvCxnSpPr>
-            <a:stCxn id="9" idx="0"/>
+            <a:endCxn id="21" idx="3"/>
           </p:cNvCxnSpPr>
           <p:nvPr/>
         </p:nvCxnSpPr>
         <p:spPr>
           <a:xfrm flipH="1" flipV="1">
-            <a:off x="3276600" y="2082800"/>
-            <a:ext cx="4241800" cy="1862435"/>
+            <a:off x="6591300" y="2579469"/>
+            <a:ext cx="2565400" cy="887986"/>
           </a:xfrm>
           <a:prstGeom prst="straightConnector1">
             <a:avLst/>
@@ -3275,14 +3229,13 @@
           <p:cNvPr id="17" name="Connecteur droit avec flèche 16"/>
           <p:cNvCxnSpPr>
             <a:stCxn id="10" idx="6"/>
-            <a:endCxn id="9" idx="1"/>
           </p:cNvCxnSpPr>
           <p:nvPr/>
         </p:nvCxnSpPr>
         <p:spPr>
-          <a:xfrm>
-            <a:off x="4178300" y="4406900"/>
-            <a:ext cx="2184400" cy="0"/>
+          <a:xfrm flipV="1">
+            <a:off x="7493000" y="3712096"/>
+            <a:ext cx="1758505" cy="1228204"/>
           </a:xfrm>
           <a:prstGeom prst="straightConnector1">
             <a:avLst/>
@@ -3330,7 +3283,7 @@
         </p:blipFill>
         <p:spPr>
           <a:xfrm>
-            <a:off x="305245" y="1880074"/>
+            <a:off x="3619945" y="2413474"/>
             <a:ext cx="2971355" cy="331989"/>
           </a:xfrm>
           <a:prstGeom prst="rect">
@@ -3345,85 +3298,341 @@
       </p:pic>
       <p:sp>
         <p:nvSpPr>
-          <p:cNvPr id="2" name="Rectangle 1"/>
+          <p:cNvPr id="3" name="Rectangle 2"/>
           <p:cNvSpPr/>
           <p:nvPr/>
         </p:nvSpPr>
         <p:spPr>
           <a:xfrm>
-            <a:off x="11290478" y="214040"/>
-            <a:ext cx="6096000" cy="1308050"/>
+            <a:off x="9283254" y="4515366"/>
+            <a:ext cx="2198259" cy="923330"/>
           </a:xfrm>
           <a:prstGeom prst="rect">
             <a:avLst/>
           </a:prstGeom>
         </p:spPr>
         <p:txBody>
-          <a:bodyPr>
+          <a:bodyPr wrap="square">
             <a:spAutoFit/>
           </a:bodyPr>
           <a:lstStyle/>
           <a:p>
-            <a:pPr>
-              <a:spcBef>
-                <a:spcPts val="1800"/>
-              </a:spcBef>
-              <a:spcAft>
-                <a:spcPts val="600"/>
-              </a:spcAft>
-            </a:pPr>
-            <a:r>
-              <a:rPr lang="fr-FR" dirty="0">
+            <a:pPr algn="ctr"/>
+            <a:r>
+              <a:rPr lang="fr-FR" dirty="0"/>
+              <a:t>Exécution de la fonction </a:t>
+            </a:r>
+            <a:r>
+              <a:rPr lang="fr-FR" dirty="0" err="1"/>
+              <a:t>Javascript</a:t>
+            </a:r>
+            <a:r>
+              <a:rPr lang="fr-FR" dirty="0"/>
+              <a:t> « </a:t>
+            </a:r>
+            <a:r>
+              <a:rPr lang="fr-FR" dirty="0" err="1" smtClean="0"/>
+              <a:t>select_bille</a:t>
+            </a:r>
+            <a:r>
+              <a:rPr lang="fr-FR" dirty="0"/>
+              <a:t> »</a:t>
+            </a:r>
+            <a:endParaRPr lang="en-IE" dirty="0"/>
+          </a:p>
+        </p:txBody>
+      </p:sp>
+      <p:cxnSp>
+        <p:nvCxnSpPr>
+          <p:cNvPr id="14" name="Connecteur droit avec flèche 13"/>
+          <p:cNvCxnSpPr>
+            <a:stCxn id="33" idx="2"/>
+            <a:endCxn id="29" idx="3"/>
+          </p:cNvCxnSpPr>
+          <p:nvPr/>
+        </p:nvCxnSpPr>
+        <p:spPr>
+          <a:xfrm flipH="1" flipV="1">
+            <a:off x="2895600" y="1894479"/>
+            <a:ext cx="925395" cy="240958"/>
+          </a:xfrm>
+          <a:prstGeom prst="straightConnector1">
+            <a:avLst/>
+          </a:prstGeom>
+          <a:ln w="28575">
+            <a:solidFill>
+              <a:srgbClr val="002060"/>
+            </a:solidFill>
+            <a:tailEnd type="triangle"/>
+          </a:ln>
+        </p:spPr>
+        <p:style>
+          <a:lnRef idx="1">
+            <a:schemeClr val="accent1"/>
+          </a:lnRef>
+          <a:fillRef idx="0">
+            <a:schemeClr val="accent1"/>
+          </a:fillRef>
+          <a:effectRef idx="0">
+            <a:schemeClr val="accent1"/>
+          </a:effectRef>
+          <a:fontRef idx="minor">
+            <a:schemeClr val="tx1"/>
+          </a:fontRef>
+        </p:style>
+      </p:cxnSp>
+      <p:sp>
+        <p:nvSpPr>
+          <p:cNvPr id="27" name="Organigramme : Connecteur 26"/>
+          <p:cNvSpPr/>
+          <p:nvPr/>
+        </p:nvSpPr>
+        <p:spPr>
+          <a:xfrm>
+            <a:off x="7550150" y="5043850"/>
+            <a:ext cx="558357" cy="481915"/>
+          </a:xfrm>
+          <a:prstGeom prst="flowChartConnector">
+            <a:avLst/>
+          </a:prstGeom>
+          <a:noFill/>
+          <a:ln w="28575">
+            <a:solidFill>
+              <a:srgbClr val="002060"/>
+            </a:solidFill>
+          </a:ln>
+        </p:spPr>
+        <p:style>
+          <a:lnRef idx="2">
+            <a:schemeClr val="accent1">
+              <a:shade val="50000"/>
+            </a:schemeClr>
+          </a:lnRef>
+          <a:fillRef idx="1">
+            <a:schemeClr val="accent1"/>
+          </a:fillRef>
+          <a:effectRef idx="0">
+            <a:schemeClr val="accent1"/>
+          </a:effectRef>
+          <a:fontRef idx="minor">
+            <a:schemeClr val="lt1"/>
+          </a:fontRef>
+        </p:style>
+        <p:txBody>
+          <a:bodyPr rtlCol="0" anchor="ctr"/>
+          <a:lstStyle/>
+          <a:p>
+            <a:pPr algn="ctr"/>
+            <a:endParaRPr lang="en-IE"/>
+          </a:p>
+        </p:txBody>
+      </p:sp>
+      <p:sp>
+        <p:nvSpPr>
+          <p:cNvPr id="28" name="ZoneTexte 27"/>
+          <p:cNvSpPr txBox="1"/>
+          <p:nvPr/>
+        </p:nvSpPr>
+        <p:spPr>
+          <a:xfrm>
+            <a:off x="7531100" y="4795792"/>
+            <a:ext cx="724344" cy="307777"/>
+          </a:xfrm>
+          <a:prstGeom prst="rect">
+            <a:avLst/>
+          </a:prstGeom>
+          <a:noFill/>
+        </p:spPr>
+        <p:txBody>
+          <a:bodyPr wrap="square" rtlCol="0">
+            <a:spAutoFit/>
+          </a:bodyPr>
+          <a:lstStyle/>
+          <a:p>
+            <a:r>
+              <a:rPr lang="fr-FR" sz="1400" dirty="0" smtClean="0">
                 <a:solidFill>
-                  <a:srgbClr val="FF0000"/>
+                  <a:srgbClr val="002060"/>
                 </a:solidFill>
-                <a:latin typeface="Arial" panose="020B0604020202020204" pitchFamily="34" charset="0"/>
               </a:rPr>
-              <a:t>Architecture “fonctionnelle” d'une partie</a:t>
-            </a:r>
-            <a:endParaRPr lang="fr-FR" b="1" dirty="0">
+              <a:t>Clique</a:t>
+            </a:r>
+            <a:endParaRPr lang="en-IE" sz="1400" dirty="0">
               <a:solidFill>
-                <a:srgbClr val="FF0000"/>
+                <a:srgbClr val="002060"/>
               </a:solidFill>
             </a:endParaRPr>
           </a:p>
-          <a:p>
-            <a:pPr>
-              <a:spcBef>
-                <a:spcPts val="1800"/>
-              </a:spcBef>
-              <a:spcAft>
-                <a:spcPts val="600"/>
-              </a:spcAft>
-            </a:pPr>
-            <a:r>
-              <a:rPr lang="fr-FR" dirty="0">
+        </p:txBody>
+      </p:sp>
+      <p:sp>
+        <p:nvSpPr>
+          <p:cNvPr id="29" name="ZoneTexte 28"/>
+          <p:cNvSpPr txBox="1"/>
+          <p:nvPr/>
+        </p:nvSpPr>
+        <p:spPr>
+          <a:xfrm>
+            <a:off x="584200" y="1432814"/>
+            <a:ext cx="2311400" cy="923330"/>
+          </a:xfrm>
+          <a:prstGeom prst="rect">
+            <a:avLst/>
+          </a:prstGeom>
+          <a:noFill/>
+        </p:spPr>
+        <p:txBody>
+          <a:bodyPr wrap="square" rtlCol="0">
+            <a:spAutoFit/>
+          </a:bodyPr>
+          <a:lstStyle/>
+          <a:p>
+            <a:pPr algn="ctr"/>
+            <a:r>
+              <a:rPr lang="fr-FR" dirty="0" smtClean="0"/>
+              <a:t>Exécution de </a:t>
+            </a:r>
+            <a:r>
+              <a:rPr lang="fr-FR" dirty="0" smtClean="0"/>
+              <a:t>la fonction </a:t>
+            </a:r>
+            <a:r>
+              <a:rPr lang="fr-FR" dirty="0" err="1" smtClean="0"/>
+              <a:t>Javascript</a:t>
+            </a:r>
+            <a:r>
+              <a:rPr lang="fr-FR" dirty="0" smtClean="0"/>
+              <a:t> « </a:t>
+            </a:r>
+            <a:r>
+              <a:rPr lang="fr-FR" dirty="0" err="1" smtClean="0"/>
+              <a:t>jouer_bille</a:t>
+            </a:r>
+            <a:r>
+              <a:rPr lang="fr-FR" dirty="0" smtClean="0"/>
+              <a:t> »</a:t>
+            </a:r>
+            <a:endParaRPr lang="en-IE" dirty="0"/>
+          </a:p>
+        </p:txBody>
+      </p:sp>
+      <p:cxnSp>
+        <p:nvCxnSpPr>
+          <p:cNvPr id="32" name="Connecteur droit avec flèche 31"/>
+          <p:cNvCxnSpPr>
+            <a:stCxn id="27" idx="6"/>
+          </p:cNvCxnSpPr>
+          <p:nvPr/>
+        </p:nvCxnSpPr>
+        <p:spPr>
+          <a:xfrm flipV="1">
+            <a:off x="8108507" y="4995000"/>
+            <a:ext cx="1302193" cy="289808"/>
+          </a:xfrm>
+          <a:prstGeom prst="straightConnector1">
+            <a:avLst/>
+          </a:prstGeom>
+          <a:ln w="28575">
+            <a:solidFill>
+              <a:srgbClr val="002060"/>
+            </a:solidFill>
+            <a:tailEnd type="triangle"/>
+          </a:ln>
+        </p:spPr>
+        <p:style>
+          <a:lnRef idx="1">
+            <a:schemeClr val="accent1"/>
+          </a:lnRef>
+          <a:fillRef idx="0">
+            <a:schemeClr val="accent1"/>
+          </a:fillRef>
+          <a:effectRef idx="0">
+            <a:schemeClr val="accent1"/>
+          </a:effectRef>
+          <a:fontRef idx="minor">
+            <a:schemeClr val="tx1"/>
+          </a:fontRef>
+        </p:style>
+      </p:cxnSp>
+      <p:sp>
+        <p:nvSpPr>
+          <p:cNvPr id="33" name="Organigramme : Connecteur 32"/>
+          <p:cNvSpPr/>
+          <p:nvPr/>
+        </p:nvSpPr>
+        <p:spPr>
+          <a:xfrm>
+            <a:off x="3820995" y="1894479"/>
+            <a:ext cx="558357" cy="481915"/>
+          </a:xfrm>
+          <a:prstGeom prst="flowChartConnector">
+            <a:avLst/>
+          </a:prstGeom>
+          <a:noFill/>
+          <a:ln w="28575">
+            <a:solidFill>
+              <a:srgbClr val="002060"/>
+            </a:solidFill>
+          </a:ln>
+        </p:spPr>
+        <p:style>
+          <a:lnRef idx="2">
+            <a:schemeClr val="accent1">
+              <a:shade val="50000"/>
+            </a:schemeClr>
+          </a:lnRef>
+          <a:fillRef idx="1">
+            <a:schemeClr val="accent1"/>
+          </a:fillRef>
+          <a:effectRef idx="0">
+            <a:schemeClr val="accent1"/>
+          </a:effectRef>
+          <a:fontRef idx="minor">
+            <a:schemeClr val="lt1"/>
+          </a:fontRef>
+        </p:style>
+        <p:txBody>
+          <a:bodyPr rtlCol="0" anchor="ctr"/>
+          <a:lstStyle/>
+          <a:p>
+            <a:pPr algn="ctr"/>
+            <a:endParaRPr lang="en-IE"/>
+          </a:p>
+        </p:txBody>
+      </p:sp>
+      <p:sp>
+        <p:nvSpPr>
+          <p:cNvPr id="34" name="ZoneTexte 33"/>
+          <p:cNvSpPr txBox="1"/>
+          <p:nvPr/>
+        </p:nvSpPr>
+        <p:spPr>
+          <a:xfrm>
+            <a:off x="3820995" y="1624898"/>
+            <a:ext cx="724344" cy="307777"/>
+          </a:xfrm>
+          <a:prstGeom prst="rect">
+            <a:avLst/>
+          </a:prstGeom>
+          <a:noFill/>
+        </p:spPr>
+        <p:txBody>
+          <a:bodyPr wrap="square" rtlCol="0">
+            <a:spAutoFit/>
+          </a:bodyPr>
+          <a:lstStyle/>
+          <a:p>
+            <a:r>
+              <a:rPr lang="fr-FR" sz="1400" dirty="0" smtClean="0">
                 <a:solidFill>
-                  <a:srgbClr val="FF0000"/>
+                  <a:srgbClr val="002060"/>
                 </a:solidFill>
-                <a:latin typeface="Arial" panose="020B0604020202020204" pitchFamily="34" charset="0"/>
               </a:rPr>
-              <a:t>multijoueur (fonctionnalités et langages</a:t>
-            </a:r>
-            <a:endParaRPr lang="fr-FR" b="1" dirty="0">
+              <a:t>Clique</a:t>
+            </a:r>
+            <a:endParaRPr lang="en-IE" sz="1400" dirty="0">
               <a:solidFill>
-                <a:srgbClr val="FF0000"/>
-              </a:solidFill>
-            </a:endParaRPr>
-          </a:p>
-          <a:p>
-            <a:r>
-              <a:rPr lang="fr-FR" dirty="0">
-                <a:solidFill>
-                  <a:srgbClr val="FF0000"/>
-                </a:solidFill>
-                <a:latin typeface="Arial" panose="020B0604020202020204" pitchFamily="34" charset="0"/>
-              </a:rPr>
-              <a:t>associés). Joli schéma</a:t>
-            </a:r>
-            <a:endParaRPr lang="en-IE" dirty="0">
-              <a:solidFill>
-                <a:srgbClr val="FF0000"/>
+                <a:srgbClr val="002060"/>
               </a:solidFill>
             </a:endParaRPr>
           </a:p>

--- a/Rapport/SchémaFonctionnelPartie.pptx
+++ b/Rapport/SchémaFonctionnelPartie.pptx
@@ -2977,7 +2977,7 @@
         </p:nvSpPr>
         <p:spPr>
           <a:xfrm>
-            <a:off x="2895600" y="406400"/>
+            <a:off x="3138692" y="400579"/>
             <a:ext cx="5702300" cy="461665"/>
           </a:xfrm>
           <a:prstGeom prst="rect">
@@ -3071,13 +3071,18 @@
         </p:nvSpPr>
         <p:spPr>
           <a:xfrm>
-            <a:off x="8902700" y="3308191"/>
+            <a:off x="648590" y="3485048"/>
             <a:ext cx="2311400" cy="646331"/>
           </a:xfrm>
           <a:prstGeom prst="rect">
             <a:avLst/>
           </a:prstGeom>
           <a:noFill/>
+          <a:ln>
+            <a:solidFill>
+              <a:schemeClr val="tx1"/>
+            </a:solidFill>
+          </a:ln>
         </p:spPr>
         <p:txBody>
           <a:bodyPr wrap="square" rtlCol="0">
@@ -3088,15 +3093,15 @@
             <a:pPr algn="ctr"/>
             <a:r>
               <a:rPr lang="fr-FR" dirty="0" smtClean="0"/>
-              <a:t>Exécution de </a:t>
+              <a:t>Exécution de deux fonctions en </a:t>
+            </a:r>
+            <a:r>
+              <a:rPr lang="fr-FR" dirty="0"/>
+              <a:t>A</a:t>
             </a:r>
             <a:r>
               <a:rPr lang="fr-FR" dirty="0" smtClean="0"/>
-              <a:t>deux fonctions en </a:t>
-            </a:r>
-            <a:r>
-              <a:rPr lang="fr-FR" dirty="0" err="1" smtClean="0"/>
-              <a:t>ajax</a:t>
+              <a:t>jax </a:t>
             </a:r>
             <a:endParaRPr lang="en-IE" dirty="0"/>
           </a:p>
@@ -3156,7 +3161,7 @@
         </p:nvSpPr>
         <p:spPr>
           <a:xfrm>
-            <a:off x="7010401" y="4515366"/>
+            <a:off x="5855589" y="4533986"/>
             <a:ext cx="724344" cy="307777"/>
           </a:xfrm>
           <a:prstGeom prst="rect">
@@ -3190,14 +3195,14 @@
         <p:nvCxnSpPr>
           <p:cNvPr id="15" name="Connecteur droit avec flèche 14"/>
           <p:cNvCxnSpPr>
-            <a:endCxn id="21" idx="3"/>
+            <a:endCxn id="21" idx="1"/>
           </p:cNvCxnSpPr>
           <p:nvPr/>
         </p:nvCxnSpPr>
         <p:spPr>
-          <a:xfrm flipH="1" flipV="1">
-            <a:off x="6591300" y="2579469"/>
-            <a:ext cx="2565400" cy="887986"/>
+          <a:xfrm flipV="1">
+            <a:off x="2733640" y="2579469"/>
+            <a:ext cx="886305" cy="1107877"/>
           </a:xfrm>
           <a:prstGeom prst="straightConnector1">
             <a:avLst/>
@@ -3227,15 +3232,13 @@
       <p:cxnSp>
         <p:nvCxnSpPr>
           <p:cNvPr id="17" name="Connecteur droit avec flèche 16"/>
-          <p:cNvCxnSpPr>
-            <a:stCxn id="10" idx="6"/>
-          </p:cNvCxnSpPr>
+          <p:cNvCxnSpPr/>
           <p:nvPr/>
         </p:nvCxnSpPr>
         <p:spPr>
-          <a:xfrm flipV="1">
-            <a:off x="7493000" y="3712096"/>
-            <a:ext cx="1758505" cy="1228204"/>
+          <a:xfrm flipH="1" flipV="1">
+            <a:off x="2798090" y="3853342"/>
+            <a:ext cx="3602710" cy="1053925"/>
           </a:xfrm>
           <a:prstGeom prst="straightConnector1">
             <a:avLst/>
@@ -3310,6 +3313,11 @@
           <a:prstGeom prst="rect">
             <a:avLst/>
           </a:prstGeom>
+          <a:ln>
+            <a:solidFill>
+              <a:schemeClr val="tx1"/>
+            </a:solidFill>
+          </a:ln>
         </p:spPr>
         <p:txBody>
           <a:bodyPr wrap="square">
@@ -3353,8 +3361,8 @@
         </p:nvCxnSpPr>
         <p:spPr>
           <a:xfrm flipH="1" flipV="1">
-            <a:off x="2895600" y="1894479"/>
-            <a:ext cx="925395" cy="240958"/>
+            <a:off x="3104376" y="1526463"/>
+            <a:ext cx="716619" cy="608974"/>
           </a:xfrm>
           <a:prstGeom prst="straightConnector1">
             <a:avLst/>
@@ -3473,13 +3481,18 @@
         </p:nvSpPr>
         <p:spPr>
           <a:xfrm>
-            <a:off x="584200" y="1432814"/>
-            <a:ext cx="2311400" cy="923330"/>
+            <a:off x="792976" y="787799"/>
+            <a:ext cx="2311400" cy="1477328"/>
           </a:xfrm>
           <a:prstGeom prst="rect">
             <a:avLst/>
           </a:prstGeom>
           <a:noFill/>
+          <a:ln>
+            <a:solidFill>
+              <a:schemeClr val="tx1"/>
+            </a:solidFill>
+          </a:ln>
         </p:spPr>
         <p:txBody>
           <a:bodyPr wrap="square" rtlCol="0">
@@ -3490,11 +3503,7 @@
             <a:pPr algn="ctr"/>
             <a:r>
               <a:rPr lang="fr-FR" dirty="0" smtClean="0"/>
-              <a:t>Exécution de </a:t>
-            </a:r>
-            <a:r>
-              <a:rPr lang="fr-FR" dirty="0" smtClean="0"/>
-              <a:t>la fonction </a:t>
+              <a:t>Exécution de la fonction </a:t>
             </a:r>
             <a:r>
               <a:rPr lang="fr-FR" dirty="0" err="1" smtClean="0"/>
@@ -3510,7 +3519,18 @@
             </a:r>
             <a:r>
               <a:rPr lang="fr-FR" dirty="0" smtClean="0"/>
-              <a:t> »</a:t>
+              <a:t> </a:t>
+            </a:r>
+            <a:r>
+              <a:rPr lang="fr-FR" dirty="0" smtClean="0"/>
+              <a:t>» :</a:t>
+            </a:r>
+          </a:p>
+          <a:p>
+            <a:pPr algn="ctr"/>
+            <a:r>
+              <a:rPr lang="fr-FR" dirty="0" smtClean="0"/>
+              <a:t>Placement de la bille à l’emplacement cliqué</a:t>
             </a:r>
             <a:endParaRPr lang="en-IE" dirty="0"/>
           </a:p>
@@ -3635,6 +3655,102 @@
                 <a:srgbClr val="002060"/>
               </a:solidFill>
             </a:endParaRPr>
+          </a:p>
+        </p:txBody>
+      </p:sp>
+      <p:cxnSp>
+        <p:nvCxnSpPr>
+          <p:cNvPr id="22" name="Connecteur droit avec flèche 21"/>
+          <p:cNvCxnSpPr/>
+          <p:nvPr/>
+        </p:nvCxnSpPr>
+        <p:spPr>
+          <a:xfrm flipH="1" flipV="1">
+            <a:off x="6946900" y="4561935"/>
+            <a:ext cx="2431162" cy="261208"/>
+          </a:xfrm>
+          <a:prstGeom prst="straightConnector1">
+            <a:avLst/>
+          </a:prstGeom>
+          <a:ln w="28575">
+            <a:solidFill>
+              <a:srgbClr val="002060"/>
+            </a:solidFill>
+            <a:tailEnd type="triangle"/>
+          </a:ln>
+        </p:spPr>
+        <p:style>
+          <a:lnRef idx="1">
+            <a:schemeClr val="accent1"/>
+          </a:lnRef>
+          <a:fillRef idx="0">
+            <a:schemeClr val="accent1"/>
+          </a:fillRef>
+          <a:effectRef idx="0">
+            <a:schemeClr val="accent1"/>
+          </a:effectRef>
+          <a:fontRef idx="minor">
+            <a:schemeClr val="tx1"/>
+          </a:fontRef>
+        </p:style>
+      </p:cxnSp>
+      <p:sp>
+        <p:nvSpPr>
+          <p:cNvPr id="35" name="Rectangle 34"/>
+          <p:cNvSpPr/>
+          <p:nvPr/>
+        </p:nvSpPr>
+        <p:spPr>
+          <a:xfrm>
+            <a:off x="7320168" y="4043402"/>
+            <a:ext cx="2198259" cy="646331"/>
+          </a:xfrm>
+          <a:prstGeom prst="rect">
+            <a:avLst/>
+          </a:prstGeom>
+        </p:spPr>
+        <p:txBody>
+          <a:bodyPr wrap="square">
+            <a:spAutoFit/>
+          </a:bodyPr>
+          <a:lstStyle/>
+          <a:p>
+            <a:pPr algn="ctr"/>
+            <a:r>
+              <a:rPr lang="fr-FR" dirty="0" smtClean="0"/>
+              <a:t>Stockage de la bille sélectionnée</a:t>
+            </a:r>
+            <a:endParaRPr lang="en-IE" dirty="0"/>
+          </a:p>
+        </p:txBody>
+      </p:sp>
+      <p:sp>
+        <p:nvSpPr>
+          <p:cNvPr id="36" name="Rectangle 35"/>
+          <p:cNvSpPr/>
+          <p:nvPr/>
+        </p:nvSpPr>
+        <p:spPr>
+          <a:xfrm>
+            <a:off x="1776714" y="2589963"/>
+            <a:ext cx="1798007" cy="646331"/>
+          </a:xfrm>
+          <a:prstGeom prst="rect">
+            <a:avLst/>
+          </a:prstGeom>
+        </p:spPr>
+        <p:txBody>
+          <a:bodyPr wrap="square">
+            <a:spAutoFit/>
+          </a:bodyPr>
+          <a:lstStyle/>
+          <a:p>
+            <a:pPr algn="ctr"/>
+            <a:r>
+              <a:rPr lang="fr-FR" dirty="0"/>
+              <a:t>création d’une nouvelle ligne</a:t>
+            </a:r>
+            <a:endParaRPr lang="en-IE" dirty="0"/>
           </a:p>
         </p:txBody>
       </p:sp>
